--- a/figure.pptx
+++ b/figure.pptx
@@ -6,6 +6,7 @@
   </p:sldMasterIdLst>
   <p:sldIdLst>
     <p:sldId id="256" r:id="rId2"/>
+    <p:sldId id="257" r:id="rId3"/>
   </p:sldIdLst>
   <p:sldSz cx="12192000" cy="6858000"/>
   <p:notesSz cx="6858000" cy="9144000"/>
@@ -243,7 +244,7 @@
           <a:p>
             <a:fld id="{75417196-37C3-4D12-B2DA-85FC566F3878}" type="datetimeFigureOut">
               <a:rPr lang="en-GB" smtClean="0"/>
-              <a:t>27/11/2018</a:t>
+              <a:t>28/11/2018</a:t>
             </a:fld>
             <a:endParaRPr lang="en-GB"/>
           </a:p>
@@ -413,7 +414,7 @@
           <a:p>
             <a:fld id="{75417196-37C3-4D12-B2DA-85FC566F3878}" type="datetimeFigureOut">
               <a:rPr lang="en-GB" smtClean="0"/>
-              <a:t>27/11/2018</a:t>
+              <a:t>28/11/2018</a:t>
             </a:fld>
             <a:endParaRPr lang="en-GB"/>
           </a:p>
@@ -593,7 +594,7 @@
           <a:p>
             <a:fld id="{75417196-37C3-4D12-B2DA-85FC566F3878}" type="datetimeFigureOut">
               <a:rPr lang="en-GB" smtClean="0"/>
-              <a:t>27/11/2018</a:t>
+              <a:t>28/11/2018</a:t>
             </a:fld>
             <a:endParaRPr lang="en-GB"/>
           </a:p>
@@ -763,7 +764,7 @@
           <a:p>
             <a:fld id="{75417196-37C3-4D12-B2DA-85FC566F3878}" type="datetimeFigureOut">
               <a:rPr lang="en-GB" smtClean="0"/>
-              <a:t>27/11/2018</a:t>
+              <a:t>28/11/2018</a:t>
             </a:fld>
             <a:endParaRPr lang="en-GB"/>
           </a:p>
@@ -1009,7 +1010,7 @@
           <a:p>
             <a:fld id="{75417196-37C3-4D12-B2DA-85FC566F3878}" type="datetimeFigureOut">
               <a:rPr lang="en-GB" smtClean="0"/>
-              <a:t>27/11/2018</a:t>
+              <a:t>28/11/2018</a:t>
             </a:fld>
             <a:endParaRPr lang="en-GB"/>
           </a:p>
@@ -1241,7 +1242,7 @@
           <a:p>
             <a:fld id="{75417196-37C3-4D12-B2DA-85FC566F3878}" type="datetimeFigureOut">
               <a:rPr lang="en-GB" smtClean="0"/>
-              <a:t>27/11/2018</a:t>
+              <a:t>28/11/2018</a:t>
             </a:fld>
             <a:endParaRPr lang="en-GB"/>
           </a:p>
@@ -1608,7 +1609,7 @@
           <a:p>
             <a:fld id="{75417196-37C3-4D12-B2DA-85FC566F3878}" type="datetimeFigureOut">
               <a:rPr lang="en-GB" smtClean="0"/>
-              <a:t>27/11/2018</a:t>
+              <a:t>28/11/2018</a:t>
             </a:fld>
             <a:endParaRPr lang="en-GB"/>
           </a:p>
@@ -1726,7 +1727,7 @@
           <a:p>
             <a:fld id="{75417196-37C3-4D12-B2DA-85FC566F3878}" type="datetimeFigureOut">
               <a:rPr lang="en-GB" smtClean="0"/>
-              <a:t>27/11/2018</a:t>
+              <a:t>28/11/2018</a:t>
             </a:fld>
             <a:endParaRPr lang="en-GB"/>
           </a:p>
@@ -1821,7 +1822,7 @@
           <a:p>
             <a:fld id="{75417196-37C3-4D12-B2DA-85FC566F3878}" type="datetimeFigureOut">
               <a:rPr lang="en-GB" smtClean="0"/>
-              <a:t>27/11/2018</a:t>
+              <a:t>28/11/2018</a:t>
             </a:fld>
             <a:endParaRPr lang="en-GB"/>
           </a:p>
@@ -2098,7 +2099,7 @@
           <a:p>
             <a:fld id="{75417196-37C3-4D12-B2DA-85FC566F3878}" type="datetimeFigureOut">
               <a:rPr lang="en-GB" smtClean="0"/>
-              <a:t>27/11/2018</a:t>
+              <a:t>28/11/2018</a:t>
             </a:fld>
             <a:endParaRPr lang="en-GB"/>
           </a:p>
@@ -2351,7 +2352,7 @@
           <a:p>
             <a:fld id="{75417196-37C3-4D12-B2DA-85FC566F3878}" type="datetimeFigureOut">
               <a:rPr lang="en-GB" smtClean="0"/>
-              <a:t>27/11/2018</a:t>
+              <a:t>28/11/2018</a:t>
             </a:fld>
             <a:endParaRPr lang="en-GB"/>
           </a:p>
@@ -2564,7 +2565,7 @@
           <a:p>
             <a:fld id="{75417196-37C3-4D12-B2DA-85FC566F3878}" type="datetimeFigureOut">
               <a:rPr lang="en-GB" smtClean="0"/>
-              <a:t>27/11/2018</a:t>
+              <a:t>28/11/2018</a:t>
             </a:fld>
             <a:endParaRPr lang="en-GB"/>
           </a:p>
@@ -3029,14 +3030,14 @@
                 <a:gridCol w="1598762">
                   <a:extLst>
                     <a:ext uri="{9D8B030D-6E8A-4147-A177-3AD203B41FA5}">
-                      <a16:colId xmlns="" xmlns:a16="http://schemas.microsoft.com/office/drawing/2014/main" val="20000"/>
+                      <a16:colId xmlns:a16="http://schemas.microsoft.com/office/drawing/2014/main" val="20000"/>
                     </a:ext>
                   </a:extLst>
                 </a:gridCol>
                 <a:gridCol w="1598762">
                   <a:extLst>
                     <a:ext uri="{9D8B030D-6E8A-4147-A177-3AD203B41FA5}">
-                      <a16:colId xmlns="" xmlns:a16="http://schemas.microsoft.com/office/drawing/2014/main" val="20001"/>
+                      <a16:colId xmlns:a16="http://schemas.microsoft.com/office/drawing/2014/main" val="20001"/>
                     </a:ext>
                   </a:extLst>
                 </a:gridCol>
@@ -3164,7 +3165,7 @@
                 </a:tc>
                 <a:extLst>
                   <a:ext uri="{0D108BD9-81ED-4DB2-BD59-A6C34878D82A}">
-                    <a16:rowId xmlns="" xmlns:a16="http://schemas.microsoft.com/office/drawing/2014/main" val="10000"/>
+                    <a16:rowId xmlns:a16="http://schemas.microsoft.com/office/drawing/2014/main" val="10000"/>
                   </a:ext>
                 </a:extLst>
               </a:tr>
@@ -3181,7 +3182,7 @@
           <p:nvPr>
             <p:extLst>
               <p:ext uri="{D42A27DB-BD31-4B8C-83A1-F6EECF244321}">
-                <p14:modId xmlns:p14="http://schemas.microsoft.com/office/powerpoint/2010/main" val="3817259822"/>
+                <p14:modId xmlns:p14="http://schemas.microsoft.com/office/powerpoint/2010/main" val="3303231889"/>
               </p:ext>
             </p:extLst>
           </p:nvPr>
@@ -3200,33 +3201,45 @@
                 <a:gridCol w="1599868">
                   <a:extLst>
                     <a:ext uri="{9D8B030D-6E8A-4147-A177-3AD203B41FA5}">
-                      <a16:colId xmlns="" xmlns:a16="http://schemas.microsoft.com/office/drawing/2014/main" val="20000"/>
+                      <a16:colId xmlns:a16="http://schemas.microsoft.com/office/drawing/2014/main" val="20000"/>
                     </a:ext>
                   </a:extLst>
                 </a:gridCol>
                 <a:gridCol w="1375764">
                   <a:extLst>
                     <a:ext uri="{9D8B030D-6E8A-4147-A177-3AD203B41FA5}">
-                      <a16:colId xmlns="" xmlns:a16="http://schemas.microsoft.com/office/drawing/2014/main" val="20002"/>
+                      <a16:colId xmlns:a16="http://schemas.microsoft.com/office/drawing/2014/main" val="20002"/>
                     </a:ext>
                   </a:extLst>
                 </a:gridCol>
                 <a:gridCol w="1375764">
                   <a:extLst>
                     <a:ext uri="{9D8B030D-6E8A-4147-A177-3AD203B41FA5}">
-                      <a16:colId xmlns="" xmlns:a16="http://schemas.microsoft.com/office/drawing/2014/main" val="411732008"/>
+                      <a16:colId xmlns:a16="http://schemas.microsoft.com/office/drawing/2014/main" val="411732008"/>
                     </a:ext>
                   </a:extLst>
                 </a:gridCol>
                 <a:gridCol w="1375764">
                   <a:extLst>
                     <a:ext uri="{9D8B030D-6E8A-4147-A177-3AD203B41FA5}">
-                      <a16:colId xmlns="" xmlns:a16="http://schemas.microsoft.com/office/drawing/2014/main" val="1186050816"/>
+                      <a16:colId xmlns:a16="http://schemas.microsoft.com/office/drawing/2014/main" val="1186050816"/>
                     </a:ext>
                   </a:extLst>
                 </a:gridCol>
-                <a:gridCol w="1375764"/>
-                <a:gridCol w="1375764"/>
+                <a:gridCol w="1375764">
+                  <a:extLst>
+                    <a:ext uri="{9D8B030D-6E8A-4147-A177-3AD203B41FA5}">
+                      <a16:colId xmlns:a16="http://schemas.microsoft.com/office/drawing/2014/main" val="20004"/>
+                    </a:ext>
+                  </a:extLst>
+                </a:gridCol>
+                <a:gridCol w="1375764">
+                  <a:extLst>
+                    <a:ext uri="{9D8B030D-6E8A-4147-A177-3AD203B41FA5}">
+                      <a16:colId xmlns:a16="http://schemas.microsoft.com/office/drawing/2014/main" val="20005"/>
+                    </a:ext>
+                  </a:extLst>
+                </a:gridCol>
               </a:tblGrid>
               <a:tr h="474074">
                 <a:tc>
@@ -3503,7 +3516,7 @@
                     <a:p>
                       <a:pPr marL="0" algn="ctr" defTabSz="914400" rtl="0" eaLnBrk="1" latinLnBrk="0" hangingPunct="1"/>
                       <a:r>
-                        <a:rPr lang="en-GB" sz="1800" b="0" kern="1200" dirty="0" smtClean="0">
+                        <a:rPr lang="en-GB" sz="1800" b="0" kern="1200" dirty="0">
                           <a:solidFill>
                             <a:schemeClr val="tx1"/>
                           </a:solidFill>
@@ -3513,14 +3526,6 @@
                         </a:rPr>
                         <a:t>R-RATE</a:t>
                       </a:r>
-                      <a:endParaRPr lang="en-GB" sz="1800" b="0" kern="1200" dirty="0">
-                        <a:solidFill>
-                          <a:schemeClr val="tx1"/>
-                        </a:solidFill>
-                        <a:latin typeface="Times New Roman" panose="02020603050405020304" pitchFamily="18" charset="0"/>
-                        <a:ea typeface="+mn-ea"/>
-                        <a:cs typeface="Times New Roman" panose="02020603050405020304" pitchFamily="18" charset="0"/>
-                      </a:endParaRPr>
                     </a:p>
                   </a:txBody>
                   <a:tcPr>
@@ -3572,7 +3577,7 @@
                     <a:p>
                       <a:pPr marL="0" algn="ctr" defTabSz="914400" rtl="0" eaLnBrk="1" latinLnBrk="0" hangingPunct="1"/>
                       <a:r>
-                        <a:rPr lang="en-GB" sz="1800" b="0" kern="1200" dirty="0" smtClean="0">
+                        <a:rPr lang="en-GB" sz="1800" b="0" kern="1200" dirty="0">
                           <a:solidFill>
                             <a:schemeClr val="tx1"/>
                           </a:solidFill>
@@ -3582,14 +3587,6 @@
                         </a:rPr>
                         <a:t>R-TYPE</a:t>
                       </a:r>
-                      <a:endParaRPr lang="en-GB" sz="1800" b="0" kern="1200" dirty="0">
-                        <a:solidFill>
-                          <a:schemeClr val="tx1"/>
-                        </a:solidFill>
-                        <a:latin typeface="Times New Roman" panose="02020603050405020304" pitchFamily="18" charset="0"/>
-                        <a:ea typeface="+mn-ea"/>
-                        <a:cs typeface="Times New Roman" panose="02020603050405020304" pitchFamily="18" charset="0"/>
-                      </a:endParaRPr>
                     </a:p>
                   </a:txBody>
                   <a:tcPr>
@@ -3636,7 +3633,7 @@
                 </a:tc>
                 <a:extLst>
                   <a:ext uri="{0D108BD9-81ED-4DB2-BD59-A6C34878D82A}">
-                    <a16:rowId xmlns="" xmlns:a16="http://schemas.microsoft.com/office/drawing/2014/main" val="10000"/>
+                    <a16:rowId xmlns:a16="http://schemas.microsoft.com/office/drawing/2014/main" val="10000"/>
                   </a:ext>
                 </a:extLst>
               </a:tr>
@@ -3685,13 +3682,13 @@
           <p:nvPr>
             <p:extLst>
               <p:ext uri="{D42A27DB-BD31-4B8C-83A1-F6EECF244321}">
-                <p14:modId xmlns:p14="http://schemas.microsoft.com/office/powerpoint/2010/main" val="4233849420"/>
+                <p14:modId xmlns:p14="http://schemas.microsoft.com/office/powerpoint/2010/main" val="2549747007"/>
               </p:ext>
             </p:extLst>
           </p:nvPr>
         </p:nvGraphicFramePr>
         <p:xfrm>
-          <a:off x="1711404" y="4295179"/>
+          <a:off x="1497935" y="3439062"/>
           <a:ext cx="3540657" cy="370840"/>
         </p:xfrm>
         <a:graphic>
@@ -3704,21 +3701,21 @@
                 <a:gridCol w="1180219">
                   <a:extLst>
                     <a:ext uri="{9D8B030D-6E8A-4147-A177-3AD203B41FA5}">
-                      <a16:colId xmlns="" xmlns:a16="http://schemas.microsoft.com/office/drawing/2014/main" val="20000"/>
+                      <a16:colId xmlns:a16="http://schemas.microsoft.com/office/drawing/2014/main" val="20000"/>
                     </a:ext>
                   </a:extLst>
                 </a:gridCol>
                 <a:gridCol w="1180219">
                   <a:extLst>
                     <a:ext uri="{9D8B030D-6E8A-4147-A177-3AD203B41FA5}">
-                      <a16:colId xmlns="" xmlns:a16="http://schemas.microsoft.com/office/drawing/2014/main" val="20002"/>
+                      <a16:colId xmlns:a16="http://schemas.microsoft.com/office/drawing/2014/main" val="20002"/>
                     </a:ext>
                   </a:extLst>
                 </a:gridCol>
                 <a:gridCol w="1180219">
                   <a:extLst>
                     <a:ext uri="{9D8B030D-6E8A-4147-A177-3AD203B41FA5}">
-                      <a16:colId xmlns="" xmlns:a16="http://schemas.microsoft.com/office/drawing/2014/main" val="20003"/>
+                      <a16:colId xmlns:a16="http://schemas.microsoft.com/office/drawing/2014/main" val="20003"/>
                     </a:ext>
                   </a:extLst>
                 </a:gridCol>
@@ -3909,7 +3906,7 @@
                 </a:tc>
                 <a:extLst>
                   <a:ext uri="{0D108BD9-81ED-4DB2-BD59-A6C34878D82A}">
-                    <a16:rowId xmlns="" xmlns:a16="http://schemas.microsoft.com/office/drawing/2014/main" val="10000"/>
+                    <a16:rowId xmlns:a16="http://schemas.microsoft.com/office/drawing/2014/main" val="10000"/>
                   </a:ext>
                 </a:extLst>
               </a:tr>
@@ -3925,7 +3922,7 @@
         </p:nvSpPr>
         <p:spPr>
           <a:xfrm>
-            <a:off x="1624271" y="3942271"/>
+            <a:off x="1569254" y="3088169"/>
             <a:ext cx="4796287" cy="369332"/>
           </a:xfrm>
           <a:prstGeom prst="rect">
@@ -3958,13 +3955,13 @@
           <p:nvPr>
             <p:extLst>
               <p:ext uri="{D42A27DB-BD31-4B8C-83A1-F6EECF244321}">
-                <p14:modId xmlns:p14="http://schemas.microsoft.com/office/powerpoint/2010/main" val="2410798064"/>
+                <p14:modId xmlns:p14="http://schemas.microsoft.com/office/powerpoint/2010/main" val="1320816182"/>
               </p:ext>
             </p:extLst>
           </p:nvPr>
         </p:nvGraphicFramePr>
         <p:xfrm>
-          <a:off x="1135994" y="6309078"/>
+          <a:off x="1135994" y="5571797"/>
           <a:ext cx="3507710" cy="398146"/>
         </p:xfrm>
         <a:graphic>
@@ -3977,14 +3974,14 @@
                 <a:gridCol w="1753855">
                   <a:extLst>
                     <a:ext uri="{9D8B030D-6E8A-4147-A177-3AD203B41FA5}">
-                      <a16:colId xmlns="" xmlns:a16="http://schemas.microsoft.com/office/drawing/2014/main" val="20000"/>
+                      <a16:colId xmlns:a16="http://schemas.microsoft.com/office/drawing/2014/main" val="20000"/>
                     </a:ext>
                   </a:extLst>
                 </a:gridCol>
                 <a:gridCol w="1753855">
                   <a:extLst>
                     <a:ext uri="{9D8B030D-6E8A-4147-A177-3AD203B41FA5}">
-                      <a16:colId xmlns="" xmlns:a16="http://schemas.microsoft.com/office/drawing/2014/main" val="20001"/>
+                      <a16:colId xmlns:a16="http://schemas.microsoft.com/office/drawing/2014/main" val="20001"/>
                     </a:ext>
                   </a:extLst>
                 </a:gridCol>
@@ -4114,7 +4111,7 @@
                 </a:tc>
                 <a:extLst>
                   <a:ext uri="{0D108BD9-81ED-4DB2-BD59-A6C34878D82A}">
-                    <a16:rowId xmlns="" xmlns:a16="http://schemas.microsoft.com/office/drawing/2014/main" val="10000"/>
+                    <a16:rowId xmlns:a16="http://schemas.microsoft.com/office/drawing/2014/main" val="10000"/>
                   </a:ext>
                 </a:extLst>
               </a:tr>
@@ -4130,7 +4127,7 @@
         </p:nvSpPr>
         <p:spPr>
           <a:xfrm>
-            <a:off x="1098212" y="5875269"/>
+            <a:off x="1135994" y="5200573"/>
             <a:ext cx="4796287" cy="369332"/>
           </a:xfrm>
           <a:prstGeom prst="rect">
@@ -4163,13 +4160,13 @@
           <p:nvPr>
             <p:extLst>
               <p:ext uri="{D42A27DB-BD31-4B8C-83A1-F6EECF244321}">
-                <p14:modId xmlns:p14="http://schemas.microsoft.com/office/powerpoint/2010/main" val="2117652942"/>
+                <p14:modId xmlns:p14="http://schemas.microsoft.com/office/powerpoint/2010/main" val="157477094"/>
               </p:ext>
             </p:extLst>
           </p:nvPr>
         </p:nvGraphicFramePr>
         <p:xfrm>
-          <a:off x="1271457" y="5211259"/>
+          <a:off x="1304280" y="4575524"/>
           <a:ext cx="9324312" cy="370840"/>
         </p:xfrm>
         <a:graphic>
@@ -4182,42 +4179,42 @@
                 <a:gridCol w="1554052">
                   <a:extLst>
                     <a:ext uri="{9D8B030D-6E8A-4147-A177-3AD203B41FA5}">
-                      <a16:colId xmlns="" xmlns:a16="http://schemas.microsoft.com/office/drawing/2014/main" val="20000"/>
+                      <a16:colId xmlns:a16="http://schemas.microsoft.com/office/drawing/2014/main" val="20000"/>
                     </a:ext>
                   </a:extLst>
                 </a:gridCol>
                 <a:gridCol w="1554052">
                   <a:extLst>
                     <a:ext uri="{9D8B030D-6E8A-4147-A177-3AD203B41FA5}">
-                      <a16:colId xmlns="" xmlns:a16="http://schemas.microsoft.com/office/drawing/2014/main" val="20001"/>
+                      <a16:colId xmlns:a16="http://schemas.microsoft.com/office/drawing/2014/main" val="20001"/>
                     </a:ext>
                   </a:extLst>
                 </a:gridCol>
                 <a:gridCol w="1554052">
                   <a:extLst>
                     <a:ext uri="{9D8B030D-6E8A-4147-A177-3AD203B41FA5}">
-                      <a16:colId xmlns="" xmlns:a16="http://schemas.microsoft.com/office/drawing/2014/main" val="20002"/>
+                      <a16:colId xmlns:a16="http://schemas.microsoft.com/office/drawing/2014/main" val="20002"/>
                     </a:ext>
                   </a:extLst>
                 </a:gridCol>
                 <a:gridCol w="1554052">
                   <a:extLst>
                     <a:ext uri="{9D8B030D-6E8A-4147-A177-3AD203B41FA5}">
-                      <a16:colId xmlns="" xmlns:a16="http://schemas.microsoft.com/office/drawing/2014/main" val="20003"/>
+                      <a16:colId xmlns:a16="http://schemas.microsoft.com/office/drawing/2014/main" val="20003"/>
                     </a:ext>
                   </a:extLst>
                 </a:gridCol>
                 <a:gridCol w="1554052">
                   <a:extLst>
                     <a:ext uri="{9D8B030D-6E8A-4147-A177-3AD203B41FA5}">
-                      <a16:colId xmlns="" xmlns:a16="http://schemas.microsoft.com/office/drawing/2014/main" val="20004"/>
+                      <a16:colId xmlns:a16="http://schemas.microsoft.com/office/drawing/2014/main" val="20004"/>
                     </a:ext>
                   </a:extLst>
                 </a:gridCol>
                 <a:gridCol w="1554052">
                   <a:extLst>
                     <a:ext uri="{9D8B030D-6E8A-4147-A177-3AD203B41FA5}">
-                      <a16:colId xmlns="" xmlns:a16="http://schemas.microsoft.com/office/drawing/2014/main" val="20005"/>
+                      <a16:colId xmlns:a16="http://schemas.microsoft.com/office/drawing/2014/main" val="20005"/>
                     </a:ext>
                   </a:extLst>
                 </a:gridCol>
@@ -4613,7 +4610,7 @@
                 </a:tc>
                 <a:extLst>
                   <a:ext uri="{0D108BD9-81ED-4DB2-BD59-A6C34878D82A}">
-                    <a16:rowId xmlns="" xmlns:a16="http://schemas.microsoft.com/office/drawing/2014/main" val="10000"/>
+                    <a16:rowId xmlns:a16="http://schemas.microsoft.com/office/drawing/2014/main" val="10000"/>
                   </a:ext>
                 </a:extLst>
               </a:tr>
@@ -4629,7 +4626,7 @@
         </p:nvSpPr>
         <p:spPr>
           <a:xfrm>
-            <a:off x="1210753" y="4780106"/>
+            <a:off x="1243576" y="4144371"/>
             <a:ext cx="4796287" cy="369332"/>
           </a:xfrm>
           <a:prstGeom prst="rect">
@@ -4658,20 +4655,19 @@
           <p:cNvPr id="4" name="Straight Arrow Connector 3">
             <a:extLst>
               <a:ext uri="{FF2B5EF4-FFF2-40B4-BE49-F238E27FC236}">
-                <a16:creationId xmlns="" xmlns:a16="http://schemas.microsoft.com/office/drawing/2014/main" id="{21A89B5E-6585-4048-835C-ED5E1E732F3F}"/>
+                <a16:creationId xmlns:a16="http://schemas.microsoft.com/office/drawing/2014/main" id="{21A89B5E-6585-4048-835C-ED5E1E732F3F}"/>
               </a:ext>
             </a:extLst>
           </p:cNvPr>
           <p:cNvCxnSpPr>
             <a:cxnSpLocks/>
-            <a:stCxn id="10" idx="1"/>
           </p:cNvCxnSpPr>
           <p:nvPr/>
         </p:nvCxnSpPr>
         <p:spPr>
           <a:xfrm flipH="1" flipV="1">
-            <a:off x="1371600" y="2415396"/>
-            <a:ext cx="339804" cy="2065203"/>
+            <a:off x="1371600" y="2415397"/>
+            <a:ext cx="252671" cy="1013603"/>
           </a:xfrm>
           <a:prstGeom prst="straightConnector1">
             <a:avLst/>
@@ -4700,7 +4696,7 @@
           <p:cNvPr id="23" name="Straight Arrow Connector 22">
             <a:extLst>
               <a:ext uri="{FF2B5EF4-FFF2-40B4-BE49-F238E27FC236}">
-                <a16:creationId xmlns="" xmlns:a16="http://schemas.microsoft.com/office/drawing/2014/main" id="{4AADE916-30E5-4B8C-A531-3C6B72FB03FE}"/>
+                <a16:creationId xmlns:a16="http://schemas.microsoft.com/office/drawing/2014/main" id="{4AADE916-30E5-4B8C-A531-3C6B72FB03FE}"/>
               </a:ext>
             </a:extLst>
           </p:cNvPr>
@@ -4739,7 +4735,7 @@
           <p:cNvPr id="30" name="Straight Arrow Connector 29">
             <a:extLst>
               <a:ext uri="{FF2B5EF4-FFF2-40B4-BE49-F238E27FC236}">
-                <a16:creationId xmlns="" xmlns:a16="http://schemas.microsoft.com/office/drawing/2014/main" id="{A88B41A8-0BEC-40E8-BFFB-612076C98E38}"/>
+                <a16:creationId xmlns:a16="http://schemas.microsoft.com/office/drawing/2014/main" id="{A88B41A8-0BEC-40E8-BFFB-612076C98E38}"/>
               </a:ext>
             </a:extLst>
           </p:cNvPr>
@@ -4748,7 +4744,7 @@
         </p:nvCxnSpPr>
         <p:spPr>
           <a:xfrm flipH="1">
-            <a:off x="2355011" y="5582099"/>
+            <a:off x="2355011" y="4844818"/>
             <a:ext cx="1007021" cy="758316"/>
           </a:xfrm>
           <a:prstGeom prst="straightConnector1">
@@ -4781,8 +4777,8 @@
         </p:nvSpPr>
         <p:spPr>
           <a:xfrm>
-            <a:off x="2889849" y="1010653"/>
-            <a:ext cx="7997871" cy="4260087"/>
+            <a:off x="2889849" y="1010654"/>
+            <a:ext cx="7997871" cy="3562978"/>
           </a:xfrm>
           <a:custGeom>
             <a:avLst/>
@@ -4883,6 +4879,36 @@
     <p:extLst>
       <p:ext uri="{BB962C8B-B14F-4D97-AF65-F5344CB8AC3E}">
         <p14:creationId xmlns:p14="http://schemas.microsoft.com/office/powerpoint/2010/main" val="3719601492"/>
+      </p:ext>
+    </p:extLst>
+  </p:cSld>
+  <p:clrMapOvr>
+    <a:masterClrMapping/>
+  </p:clrMapOvr>
+</p:sld>
+</file>
+
+<file path=ppt/slides/slide2.xml><?xml version="1.0" encoding="utf-8"?>
+<p:sld xmlns:a="http://schemas.openxmlformats.org/drawingml/2006/main" xmlns:r="http://schemas.openxmlformats.org/officeDocument/2006/relationships" xmlns:p="http://schemas.openxmlformats.org/presentationml/2006/main">
+  <p:cSld>
+    <p:spTree>
+      <p:nvGrpSpPr>
+        <p:cNvPr id="1" name=""/>
+        <p:cNvGrpSpPr/>
+        <p:nvPr/>
+      </p:nvGrpSpPr>
+      <p:grpSpPr>
+        <a:xfrm>
+          <a:off x="0" y="0"/>
+          <a:ext cx="0" cy="0"/>
+          <a:chOff x="0" y="0"/>
+          <a:chExt cx="0" cy="0"/>
+        </a:xfrm>
+      </p:grpSpPr>
+    </p:spTree>
+    <p:extLst>
+      <p:ext uri="{BB962C8B-B14F-4D97-AF65-F5344CB8AC3E}">
+        <p14:creationId xmlns:p14="http://schemas.microsoft.com/office/powerpoint/2010/main" val="3069677064"/>
       </p:ext>
     </p:extLst>
   </p:cSld>
